--- a/programming2/CH12.pptx
+++ b/programming2/CH12.pptx
@@ -7353,7 +7353,7 @@
                   <a:srgbClr val="FF0000"/>
                 </a:solidFill>
               </a:rPr>
-              <a:t>Chapter 11: Classes and Data Abstraction</a:t>
+              <a:t>Chapter 12: Classes and Data Abstraction</a:t>
             </a:r>
           </a:p>
         </p:txBody>
